--- a/slides/discussion/02_agents_discussion.pptx
+++ b/slides/discussion/02_agents_discussion.pptx
@@ -25,13 +25,13 @@
     <p:sldId id="280" r:id="rId16"/>
     <p:sldId id="809" r:id="rId17"/>
     <p:sldId id="320" r:id="rId18"/>
-    <p:sldId id="807" r:id="rId19"/>
-    <p:sldId id="295" r:id="rId20"/>
-    <p:sldId id="810" r:id="rId21"/>
-    <p:sldId id="298" r:id="rId22"/>
-    <p:sldId id="802" r:id="rId23"/>
-    <p:sldId id="321" r:id="rId24"/>
-    <p:sldId id="812" r:id="rId25"/>
+    <p:sldId id="812" r:id="rId19"/>
+    <p:sldId id="807" r:id="rId20"/>
+    <p:sldId id="295" r:id="rId21"/>
+    <p:sldId id="810" r:id="rId22"/>
+    <p:sldId id="298" r:id="rId23"/>
+    <p:sldId id="802" r:id="rId24"/>
+    <p:sldId id="321" r:id="rId25"/>
   </p:sldIdLst>
   <p:sldSz cx="9144000" cy="6858000" type="screen4x3"/>
   <p:notesSz cx="7315200" cy="9601200"/>
@@ -10108,7 +10108,7 @@
             <a:fld id="{C590261E-DED2-4ECB-93F0-6041BFF84361}" type="datetimeFigureOut">
               <a:rPr lang="en-US" smtClean="0"/>
               <a:pPr/>
-              <a:t>9/18/2025</a:t>
+              <a:t>2/5/2026</a:t>
             </a:fld>
             <a:endParaRPr lang="en-US"/>
           </a:p>
@@ -10606,7 +10606,7 @@
             <a:fld id="{2754576A-F041-465B-B05C-90CC0BF4FA50}" type="slidenum">
               <a:rPr lang="en-US" smtClean="0"/>
               <a:pPr/>
-              <a:t>19</a:t>
+              <a:t>20</a:t>
             </a:fld>
             <a:endParaRPr lang="en-US"/>
           </a:p>
@@ -10717,7 +10717,7 @@
             <a:fld id="{2754576A-F041-465B-B05C-90CC0BF4FA50}" type="slidenum">
               <a:rPr lang="en-US" smtClean="0"/>
               <a:pPr/>
-              <a:t>20</a:t>
+              <a:t>21</a:t>
             </a:fld>
             <a:endParaRPr lang="en-US"/>
           </a:p>
@@ -10804,7 +10804,7 @@
             <a:fld id="{2754576A-F041-465B-B05C-90CC0BF4FA50}" type="slidenum">
               <a:rPr lang="en-US" smtClean="0"/>
               <a:pPr/>
-              <a:t>21</a:t>
+              <a:t>22</a:t>
             </a:fld>
             <a:endParaRPr lang="en-US"/>
           </a:p>
@@ -15679,7 +15679,7 @@
           <a:p>
             <a:r>
               <a:rPr lang="en-US" dirty="0"/>
-              <a:t>Introduction : Environment</a:t>
+              <a:t>Introduction &amp; Discuss Environment</a:t>
             </a:r>
           </a:p>
         </p:txBody>
@@ -20575,6 +20575,98 @@
 <file path=ppt/slides/slide18.xml><?xml version="1.0" encoding="utf-8"?>
 <p:sld xmlns:a="http://schemas.openxmlformats.org/drawingml/2006/main" xmlns:r="http://schemas.openxmlformats.org/officeDocument/2006/relationships" xmlns:p="http://schemas.openxmlformats.org/presentationml/2006/main">
   <p:cSld>
+    <p:spTree>
+      <p:nvGrpSpPr>
+        <p:cNvPr id="1" name="">
+          <a:extLst>
+            <a:ext uri="{FF2B5EF4-FFF2-40B4-BE49-F238E27FC236}">
+              <a16:creationId xmlns:a16="http://schemas.microsoft.com/office/drawing/2014/main" id="{AA87AD58-0FFB-3FEA-2D02-19846ECFB2F3}"/>
+            </a:ext>
+          </a:extLst>
+        </p:cNvPr>
+        <p:cNvGrpSpPr/>
+        <p:nvPr/>
+      </p:nvGrpSpPr>
+      <p:grpSpPr>
+        <a:xfrm>
+          <a:off x="0" y="0"/>
+          <a:ext cx="0" cy="0"/>
+          <a:chOff x="0" y="0"/>
+          <a:chExt cx="0" cy="0"/>
+        </a:xfrm>
+      </p:grpSpPr>
+      <p:sp>
+        <p:nvSpPr>
+          <p:cNvPr id="4" name="Title 3">
+            <a:extLst>
+              <a:ext uri="{FF2B5EF4-FFF2-40B4-BE49-F238E27FC236}">
+                <a16:creationId xmlns:a16="http://schemas.microsoft.com/office/drawing/2014/main" id="{0266BF2C-073A-E61B-F314-D1327A8F4903}"/>
+              </a:ext>
+            </a:extLst>
+          </p:cNvPr>
+          <p:cNvSpPr>
+            <a:spLocks noGrp="1"/>
+          </p:cNvSpPr>
+          <p:nvPr>
+            <p:ph type="title"/>
+          </p:nvPr>
+        </p:nvSpPr>
+        <p:spPr/>
+        <p:txBody>
+          <a:bodyPr/>
+          <a:lstStyle/>
+          <a:p>
+            <a:r>
+              <a:rPr lang="en-US" dirty="0"/>
+              <a:t>Assignment 1</a:t>
+            </a:r>
+          </a:p>
+        </p:txBody>
+      </p:sp>
+      <p:sp>
+        <p:nvSpPr>
+          <p:cNvPr id="5" name="Text Placeholder 4">
+            <a:extLst>
+              <a:ext uri="{FF2B5EF4-FFF2-40B4-BE49-F238E27FC236}">
+                <a16:creationId xmlns:a16="http://schemas.microsoft.com/office/drawing/2014/main" id="{E8268822-6F82-4F45-B3D4-2541D6F59527}"/>
+              </a:ext>
+            </a:extLst>
+          </p:cNvPr>
+          <p:cNvSpPr>
+            <a:spLocks noGrp="1"/>
+          </p:cNvSpPr>
+          <p:nvPr>
+            <p:ph type="body" idx="1"/>
+          </p:nvPr>
+        </p:nvSpPr>
+        <p:spPr/>
+        <p:txBody>
+          <a:bodyPr/>
+          <a:lstStyle/>
+          <a:p>
+            <a:r>
+              <a:rPr lang="en-US" dirty="0"/>
+              <a:t>Discuss Navigation</a:t>
+            </a:r>
+          </a:p>
+        </p:txBody>
+      </p:sp>
+    </p:spTree>
+    <p:extLst>
+      <p:ext uri="{BB962C8B-B14F-4D97-AF65-F5344CB8AC3E}">
+        <p14:creationId xmlns:p14="http://schemas.microsoft.com/office/powerpoint/2010/main" val="483190766"/>
+      </p:ext>
+    </p:extLst>
+  </p:cSld>
+  <p:clrMapOvr>
+    <a:masterClrMapping/>
+  </p:clrMapOvr>
+</p:sld>
+</file>
+
+<file path=ppt/slides/slide19.xml><?xml version="1.0" encoding="utf-8"?>
+<p:sld xmlns:a="http://schemas.openxmlformats.org/drawingml/2006/main" xmlns:r="http://schemas.openxmlformats.org/officeDocument/2006/relationships" xmlns:p="http://schemas.openxmlformats.org/presentationml/2006/main">
+  <p:cSld>
     <p:bg>
       <p:bgPr>
         <a:solidFill>
@@ -20789,352 +20881,6 @@
   </p:cSld>
   <p:clrMapOvr>
     <a:overrideClrMapping bg1="dk1" tx1="lt1" bg2="dk2" tx2="lt2" accent1="accent1" accent2="accent2" accent3="accent3" accent4="accent4" accent5="accent5" accent6="accent6" hlink="hlink" folHlink="folHlink"/>
-  </p:clrMapOvr>
-</p:sld>
-</file>
-
-<file path=ppt/slides/slide19.xml><?xml version="1.0" encoding="utf-8"?>
-<p:sld xmlns:a="http://schemas.openxmlformats.org/drawingml/2006/main" xmlns:r="http://schemas.openxmlformats.org/officeDocument/2006/relationships" xmlns:p="http://schemas.openxmlformats.org/presentationml/2006/main">
-  <p:cSld>
-    <p:spTree>
-      <p:nvGrpSpPr>
-        <p:cNvPr id="1" name=""/>
-        <p:cNvGrpSpPr/>
-        <p:nvPr/>
-      </p:nvGrpSpPr>
-      <p:grpSpPr>
-        <a:xfrm>
-          <a:off x="0" y="0"/>
-          <a:ext cx="0" cy="0"/>
-          <a:chOff x="0" y="0"/>
-          <a:chExt cx="0" cy="0"/>
-        </a:xfrm>
-      </p:grpSpPr>
-      <p:pic>
-        <p:nvPicPr>
-          <p:cNvPr id="4" name="Picture 3">
-            <a:extLst>
-              <a:ext uri="{FF2B5EF4-FFF2-40B4-BE49-F238E27FC236}">
-                <a16:creationId xmlns:a16="http://schemas.microsoft.com/office/drawing/2014/main" id="{BA80952D-B85D-4F0D-B7D7-FD1AEFB93BCD}"/>
-              </a:ext>
-              <a:ext uri="{C183D7F6-B498-43B3-948B-1728B52AA6E4}">
-                <adec:decorative xmlns:adec="http://schemas.microsoft.com/office/drawing/2017/decorative" val="1"/>
-              </a:ext>
-            </a:extLst>
-          </p:cNvPr>
-          <p:cNvPicPr>
-            <a:picLocks noChangeAspect="1"/>
-          </p:cNvPicPr>
-          <p:nvPr/>
-        </p:nvPicPr>
-        <p:blipFill rotWithShape="1">
-          <a:blip r:embed="rId3"/>
-          <a:srcRect l="25949" r="40741" b="29953"/>
-          <a:stretch/>
-        </p:blipFill>
-        <p:spPr>
-          <a:xfrm>
-            <a:off x="5257800" y="1905000"/>
-            <a:ext cx="1676400" cy="1828800"/>
-          </a:xfrm>
-          <a:prstGeom prst="rect">
-            <a:avLst/>
-          </a:prstGeom>
-        </p:spPr>
-      </p:pic>
-      <p:sp>
-        <p:nvSpPr>
-          <p:cNvPr id="2" name="Title 1">
-            <a:extLst>
-              <a:ext uri="{FF2B5EF4-FFF2-40B4-BE49-F238E27FC236}">
-                <a16:creationId xmlns:a16="http://schemas.microsoft.com/office/drawing/2014/main" id="{0F727B5A-ADFB-4041-8CA1-D79831A7BDD9}"/>
-              </a:ext>
-            </a:extLst>
-          </p:cNvPr>
-          <p:cNvSpPr>
-            <a:spLocks noGrp="1"/>
-          </p:cNvSpPr>
-          <p:nvPr>
-            <p:ph type="title"/>
-          </p:nvPr>
-        </p:nvSpPr>
-        <p:spPr/>
-        <p:txBody>
-          <a:bodyPr/>
-          <a:lstStyle/>
-          <a:p>
-            <a:r>
-              <a:rPr lang="en-US" dirty="0"/>
-              <a:t>State Representation: Self-Driving Car</a:t>
-            </a:r>
-          </a:p>
-        </p:txBody>
-      </p:sp>
-      <p:sp>
-        <p:nvSpPr>
-          <p:cNvPr id="3" name="Content Placeholder 2">
-            <a:extLst>
-              <a:ext uri="{FF2B5EF4-FFF2-40B4-BE49-F238E27FC236}">
-                <a16:creationId xmlns:a16="http://schemas.microsoft.com/office/drawing/2014/main" id="{A8D8124E-678D-40F0-8214-4360179CDBA0}"/>
-              </a:ext>
-            </a:extLst>
-          </p:cNvPr>
-          <p:cNvSpPr>
-            <a:spLocks noGrp="1"/>
-          </p:cNvSpPr>
-          <p:nvPr>
-            <p:ph idx="1"/>
-          </p:nvPr>
-        </p:nvSpPr>
-        <p:spPr>
-          <a:xfrm>
-            <a:off x="628650" y="1371600"/>
-            <a:ext cx="4476750" cy="2286000"/>
-          </a:xfrm>
-        </p:spPr>
-        <p:txBody>
-          <a:bodyPr>
-            <a:normAutofit fontScale="85000" lnSpcReduction="10000"/>
-          </a:bodyPr>
-          <a:lstStyle/>
-          <a:p>
-            <a:pPr marL="0" indent="0">
-              <a:buNone/>
-            </a:pPr>
-            <a:r>
-              <a:rPr lang="en-US" sz="2000" dirty="0"/>
-              <a:t>States help to keep track of the environment and the agent in the environment. </a:t>
-            </a:r>
-          </a:p>
-          <a:p>
-            <a:pPr marL="0" indent="0">
-              <a:buNone/>
-            </a:pPr>
-            <a:endParaRPr lang="en-US" sz="2000" b="1" dirty="0">
-              <a:solidFill>
-                <a:srgbClr val="FF0000"/>
-              </a:solidFill>
-            </a:endParaRPr>
-          </a:p>
-          <a:p>
-            <a:pPr marL="0" indent="0">
-              <a:buNone/>
-            </a:pPr>
-            <a:r>
-              <a:rPr lang="en-US" sz="2000" dirty="0"/>
-              <a:t>Design a structured representation for the state of a self-driving car. </a:t>
-            </a:r>
-          </a:p>
-          <a:p>
-            <a:pPr marL="457200" indent="-457200">
-              <a:buFont typeface="+mj-lt"/>
-              <a:buAutoNum type="alphaLcParenR"/>
-            </a:pPr>
-            <a:r>
-              <a:rPr lang="en-US" sz="2000" dirty="0"/>
-              <a:t>What </a:t>
-            </a:r>
-            <a:r>
-              <a:rPr lang="en-US" sz="2000" dirty="0" err="1"/>
-              <a:t>fluents</a:t>
-            </a:r>
-            <a:r>
-              <a:rPr lang="en-US" sz="2000" dirty="0"/>
-              <a:t> should it contain?</a:t>
-            </a:r>
-          </a:p>
-          <a:p>
-            <a:pPr marL="457200" indent="-457200">
-              <a:buFont typeface="+mj-lt"/>
-              <a:buAutoNum type="alphaLcParenR"/>
-            </a:pPr>
-            <a:r>
-              <a:rPr lang="en-US" sz="2000" dirty="0"/>
-              <a:t>What actions can cause transitions?</a:t>
-            </a:r>
-          </a:p>
-          <a:p>
-            <a:pPr marL="457200" indent="-457200">
-              <a:buFont typeface="+mj-lt"/>
-              <a:buAutoNum type="alphaLcParenR"/>
-            </a:pPr>
-            <a:r>
-              <a:rPr lang="en-US" sz="2000" dirty="0"/>
-              <a:t>Draw a small transition diagram.</a:t>
-            </a:r>
-          </a:p>
-          <a:p>
-            <a:pPr marL="0" indent="0">
-              <a:buNone/>
-            </a:pPr>
-            <a:endParaRPr lang="en-US" sz="2000" dirty="0"/>
-          </a:p>
-        </p:txBody>
-      </p:sp>
-      <p:sp>
-        <p:nvSpPr>
-          <p:cNvPr id="5" name="Speech Bubble: Rectangle 4">
-            <a:extLst>
-              <a:ext uri="{FF2B5EF4-FFF2-40B4-BE49-F238E27FC236}">
-                <a16:creationId xmlns:a16="http://schemas.microsoft.com/office/drawing/2014/main" id="{A1F6455A-2485-B0DA-DAC2-B15E3F61A4BE}"/>
-              </a:ext>
-            </a:extLst>
-          </p:cNvPr>
-          <p:cNvSpPr/>
-          <p:nvPr/>
-        </p:nvSpPr>
-        <p:spPr>
-          <a:xfrm>
-            <a:off x="5361540" y="1447800"/>
-            <a:ext cx="1257300" cy="533400"/>
-          </a:xfrm>
-          <a:prstGeom prst="wedgeRectCallout">
-            <a:avLst>
-              <a:gd name="adj1" fmla="val 6558"/>
-              <a:gd name="adj2" fmla="val 166913"/>
-            </a:avLst>
-          </a:prstGeom>
-        </p:spPr>
-        <p:style>
-          <a:lnRef idx="3">
-            <a:schemeClr val="lt1"/>
-          </a:lnRef>
-          <a:fillRef idx="1">
-            <a:schemeClr val="accent6"/>
-          </a:fillRef>
-          <a:effectRef idx="1">
-            <a:schemeClr val="accent6"/>
-          </a:effectRef>
-          <a:fontRef idx="minor">
-            <a:schemeClr val="lt1"/>
-          </a:fontRef>
-        </p:style>
-        <p:txBody>
-          <a:bodyPr rtlCol="0" anchor="ctr"/>
-          <a:lstStyle/>
-          <a:p>
-            <a:pPr algn="ctr"/>
-            <a:r>
-              <a:rPr lang="en-US" sz="1200" dirty="0"/>
-              <a:t>Action causes transition</a:t>
-            </a:r>
-          </a:p>
-        </p:txBody>
-      </p:sp>
-      <p:sp>
-        <p:nvSpPr>
-          <p:cNvPr id="6" name="Speech Bubble: Rectangle 5">
-            <a:extLst>
-              <a:ext uri="{FF2B5EF4-FFF2-40B4-BE49-F238E27FC236}">
-                <a16:creationId xmlns:a16="http://schemas.microsoft.com/office/drawing/2014/main" id="{DE306C82-3C11-0925-0BB1-2921BC51CE19}"/>
-              </a:ext>
-            </a:extLst>
-          </p:cNvPr>
-          <p:cNvSpPr/>
-          <p:nvPr/>
-        </p:nvSpPr>
-        <p:spPr>
-          <a:xfrm>
-            <a:off x="7086600" y="1897062"/>
-            <a:ext cx="1763160" cy="769938"/>
-          </a:xfrm>
-          <a:prstGeom prst="wedgeRectCallout">
-            <a:avLst>
-              <a:gd name="adj1" fmla="val -79287"/>
-              <a:gd name="adj2" fmla="val 38038"/>
-            </a:avLst>
-          </a:prstGeom>
-          <a:solidFill>
-            <a:schemeClr val="accent6"/>
-          </a:solidFill>
-          <a:ln>
-            <a:noFill/>
-          </a:ln>
-        </p:spPr>
-        <p:style>
-          <a:lnRef idx="0">
-            <a:scrgbClr r="0" g="0" b="0"/>
-          </a:lnRef>
-          <a:fillRef idx="0">
-            <a:scrgbClr r="0" g="0" b="0"/>
-          </a:fillRef>
-          <a:effectRef idx="0">
-            <a:scrgbClr r="0" g="0" b="0"/>
-          </a:effectRef>
-          <a:fontRef idx="minor">
-            <a:schemeClr val="lt1"/>
-          </a:fontRef>
-        </p:style>
-        <p:txBody>
-          <a:bodyPr rtlCol="0" anchor="ctr"/>
-          <a:lstStyle/>
-          <a:p>
-            <a:pPr algn="ctr"/>
-            <a:r>
-              <a:rPr lang="en-US" sz="1200" dirty="0"/>
-              <a:t>Variables describing the system state are called “</a:t>
-            </a:r>
-            <a:r>
-              <a:rPr lang="en-US" sz="1200" dirty="0" err="1"/>
-              <a:t>fluents</a:t>
-            </a:r>
-            <a:r>
-              <a:rPr lang="en-US" sz="1200" dirty="0"/>
-              <a:t>”</a:t>
-            </a:r>
-          </a:p>
-        </p:txBody>
-      </p:sp>
-      <p:pic>
-        <p:nvPicPr>
-          <p:cNvPr id="7" name="Picture 6">
-            <a:extLst>
-              <a:ext uri="{FF2B5EF4-FFF2-40B4-BE49-F238E27FC236}">
-                <a16:creationId xmlns:a16="http://schemas.microsoft.com/office/drawing/2014/main" id="{F0A05423-8641-4938-9DCF-1B35787E5046}"/>
-              </a:ext>
-              <a:ext uri="{C183D7F6-B498-43B3-948B-1728B52AA6E4}">
-                <adec:decorative xmlns:adec="http://schemas.microsoft.com/office/drawing/2017/decorative" val="1"/>
-              </a:ext>
-            </a:extLst>
-          </p:cNvPr>
-          <p:cNvPicPr>
-            <a:picLocks noChangeAspect="1" noChangeArrowheads="1"/>
-          </p:cNvPicPr>
-          <p:nvPr/>
-        </p:nvPicPr>
-        <p:blipFill>
-          <a:blip r:embed="rId4" cstate="print"/>
-          <a:srcRect/>
-          <a:stretch>
-            <a:fillRect/>
-          </a:stretch>
-        </p:blipFill>
-        <p:spPr bwMode="auto">
-          <a:xfrm>
-            <a:off x="7107437" y="301185"/>
-            <a:ext cx="1742323" cy="800100"/>
-          </a:xfrm>
-          <a:prstGeom prst="rect">
-            <a:avLst/>
-          </a:prstGeom>
-          <a:noFill/>
-          <a:ln w="9525">
-            <a:noFill/>
-            <a:miter lim="800000"/>
-            <a:headEnd/>
-            <a:tailEnd/>
-          </a:ln>
-        </p:spPr>
-      </p:pic>
-    </p:spTree>
-    <p:extLst>
-      <p:ext uri="{BB962C8B-B14F-4D97-AF65-F5344CB8AC3E}">
-        <p14:creationId xmlns:p14="http://schemas.microsoft.com/office/powerpoint/2010/main" val="731491796"/>
-      </p:ext>
-    </p:extLst>
-  </p:cSld>
-  <p:clrMapOvr>
-    <a:masterClrMapping/>
   </p:clrMapOvr>
 </p:sld>
 </file>
@@ -21359,6 +21105,352 @@
 </file>
 
 <file path=ppt/slides/slide20.xml><?xml version="1.0" encoding="utf-8"?>
+<p:sld xmlns:a="http://schemas.openxmlformats.org/drawingml/2006/main" xmlns:r="http://schemas.openxmlformats.org/officeDocument/2006/relationships" xmlns:p="http://schemas.openxmlformats.org/presentationml/2006/main">
+  <p:cSld>
+    <p:spTree>
+      <p:nvGrpSpPr>
+        <p:cNvPr id="1" name=""/>
+        <p:cNvGrpSpPr/>
+        <p:nvPr/>
+      </p:nvGrpSpPr>
+      <p:grpSpPr>
+        <a:xfrm>
+          <a:off x="0" y="0"/>
+          <a:ext cx="0" cy="0"/>
+          <a:chOff x="0" y="0"/>
+          <a:chExt cx="0" cy="0"/>
+        </a:xfrm>
+      </p:grpSpPr>
+      <p:pic>
+        <p:nvPicPr>
+          <p:cNvPr id="4" name="Picture 3">
+            <a:extLst>
+              <a:ext uri="{FF2B5EF4-FFF2-40B4-BE49-F238E27FC236}">
+                <a16:creationId xmlns:a16="http://schemas.microsoft.com/office/drawing/2014/main" id="{BA80952D-B85D-4F0D-B7D7-FD1AEFB93BCD}"/>
+              </a:ext>
+              <a:ext uri="{C183D7F6-B498-43B3-948B-1728B52AA6E4}">
+                <adec:decorative xmlns:adec="http://schemas.microsoft.com/office/drawing/2017/decorative" val="1"/>
+              </a:ext>
+            </a:extLst>
+          </p:cNvPr>
+          <p:cNvPicPr>
+            <a:picLocks noChangeAspect="1"/>
+          </p:cNvPicPr>
+          <p:nvPr/>
+        </p:nvPicPr>
+        <p:blipFill rotWithShape="1">
+          <a:blip r:embed="rId3"/>
+          <a:srcRect l="25949" r="40741" b="29953"/>
+          <a:stretch/>
+        </p:blipFill>
+        <p:spPr>
+          <a:xfrm>
+            <a:off x="5257800" y="1905000"/>
+            <a:ext cx="1676400" cy="1828800"/>
+          </a:xfrm>
+          <a:prstGeom prst="rect">
+            <a:avLst/>
+          </a:prstGeom>
+        </p:spPr>
+      </p:pic>
+      <p:sp>
+        <p:nvSpPr>
+          <p:cNvPr id="2" name="Title 1">
+            <a:extLst>
+              <a:ext uri="{FF2B5EF4-FFF2-40B4-BE49-F238E27FC236}">
+                <a16:creationId xmlns:a16="http://schemas.microsoft.com/office/drawing/2014/main" id="{0F727B5A-ADFB-4041-8CA1-D79831A7BDD9}"/>
+              </a:ext>
+            </a:extLst>
+          </p:cNvPr>
+          <p:cNvSpPr>
+            <a:spLocks noGrp="1"/>
+          </p:cNvSpPr>
+          <p:nvPr>
+            <p:ph type="title"/>
+          </p:nvPr>
+        </p:nvSpPr>
+        <p:spPr/>
+        <p:txBody>
+          <a:bodyPr/>
+          <a:lstStyle/>
+          <a:p>
+            <a:r>
+              <a:rPr lang="en-US" dirty="0"/>
+              <a:t>State Representation: Self-Driving Car</a:t>
+            </a:r>
+          </a:p>
+        </p:txBody>
+      </p:sp>
+      <p:sp>
+        <p:nvSpPr>
+          <p:cNvPr id="3" name="Content Placeholder 2">
+            <a:extLst>
+              <a:ext uri="{FF2B5EF4-FFF2-40B4-BE49-F238E27FC236}">
+                <a16:creationId xmlns:a16="http://schemas.microsoft.com/office/drawing/2014/main" id="{A8D8124E-678D-40F0-8214-4360179CDBA0}"/>
+              </a:ext>
+            </a:extLst>
+          </p:cNvPr>
+          <p:cNvSpPr>
+            <a:spLocks noGrp="1"/>
+          </p:cNvSpPr>
+          <p:nvPr>
+            <p:ph idx="1"/>
+          </p:nvPr>
+        </p:nvSpPr>
+        <p:spPr>
+          <a:xfrm>
+            <a:off x="628650" y="1371600"/>
+            <a:ext cx="4476750" cy="2286000"/>
+          </a:xfrm>
+        </p:spPr>
+        <p:txBody>
+          <a:bodyPr>
+            <a:normAutofit fontScale="85000" lnSpcReduction="10000"/>
+          </a:bodyPr>
+          <a:lstStyle/>
+          <a:p>
+            <a:pPr marL="0" indent="0">
+              <a:buNone/>
+            </a:pPr>
+            <a:r>
+              <a:rPr lang="en-US" sz="2000" dirty="0"/>
+              <a:t>States help to keep track of the environment and the agent in the environment. </a:t>
+            </a:r>
+          </a:p>
+          <a:p>
+            <a:pPr marL="0" indent="0">
+              <a:buNone/>
+            </a:pPr>
+            <a:endParaRPr lang="en-US" sz="2000" b="1" dirty="0">
+              <a:solidFill>
+                <a:srgbClr val="FF0000"/>
+              </a:solidFill>
+            </a:endParaRPr>
+          </a:p>
+          <a:p>
+            <a:pPr marL="0" indent="0">
+              <a:buNone/>
+            </a:pPr>
+            <a:r>
+              <a:rPr lang="en-US" sz="2000" dirty="0"/>
+              <a:t>Design a structured representation for the state of a self-driving car. </a:t>
+            </a:r>
+          </a:p>
+          <a:p>
+            <a:pPr marL="457200" indent="-457200">
+              <a:buFont typeface="+mj-lt"/>
+              <a:buAutoNum type="alphaLcParenR"/>
+            </a:pPr>
+            <a:r>
+              <a:rPr lang="en-US" sz="2000" dirty="0"/>
+              <a:t>What </a:t>
+            </a:r>
+            <a:r>
+              <a:rPr lang="en-US" sz="2000" dirty="0" err="1"/>
+              <a:t>fluents</a:t>
+            </a:r>
+            <a:r>
+              <a:rPr lang="en-US" sz="2000" dirty="0"/>
+              <a:t> should it contain?</a:t>
+            </a:r>
+          </a:p>
+          <a:p>
+            <a:pPr marL="457200" indent="-457200">
+              <a:buFont typeface="+mj-lt"/>
+              <a:buAutoNum type="alphaLcParenR"/>
+            </a:pPr>
+            <a:r>
+              <a:rPr lang="en-US" sz="2000" dirty="0"/>
+              <a:t>What actions can cause transitions?</a:t>
+            </a:r>
+          </a:p>
+          <a:p>
+            <a:pPr marL="457200" indent="-457200">
+              <a:buFont typeface="+mj-lt"/>
+              <a:buAutoNum type="alphaLcParenR"/>
+            </a:pPr>
+            <a:r>
+              <a:rPr lang="en-US" sz="2000" dirty="0"/>
+              <a:t>Draw a small transition diagram.</a:t>
+            </a:r>
+          </a:p>
+          <a:p>
+            <a:pPr marL="0" indent="0">
+              <a:buNone/>
+            </a:pPr>
+            <a:endParaRPr lang="en-US" sz="2000" dirty="0"/>
+          </a:p>
+        </p:txBody>
+      </p:sp>
+      <p:sp>
+        <p:nvSpPr>
+          <p:cNvPr id="5" name="Speech Bubble: Rectangle 4">
+            <a:extLst>
+              <a:ext uri="{FF2B5EF4-FFF2-40B4-BE49-F238E27FC236}">
+                <a16:creationId xmlns:a16="http://schemas.microsoft.com/office/drawing/2014/main" id="{A1F6455A-2485-B0DA-DAC2-B15E3F61A4BE}"/>
+              </a:ext>
+            </a:extLst>
+          </p:cNvPr>
+          <p:cNvSpPr/>
+          <p:nvPr/>
+        </p:nvSpPr>
+        <p:spPr>
+          <a:xfrm>
+            <a:off x="5361540" y="1447800"/>
+            <a:ext cx="1257300" cy="533400"/>
+          </a:xfrm>
+          <a:prstGeom prst="wedgeRectCallout">
+            <a:avLst>
+              <a:gd name="adj1" fmla="val 6558"/>
+              <a:gd name="adj2" fmla="val 166913"/>
+            </a:avLst>
+          </a:prstGeom>
+        </p:spPr>
+        <p:style>
+          <a:lnRef idx="3">
+            <a:schemeClr val="lt1"/>
+          </a:lnRef>
+          <a:fillRef idx="1">
+            <a:schemeClr val="accent6"/>
+          </a:fillRef>
+          <a:effectRef idx="1">
+            <a:schemeClr val="accent6"/>
+          </a:effectRef>
+          <a:fontRef idx="minor">
+            <a:schemeClr val="lt1"/>
+          </a:fontRef>
+        </p:style>
+        <p:txBody>
+          <a:bodyPr rtlCol="0" anchor="ctr"/>
+          <a:lstStyle/>
+          <a:p>
+            <a:pPr algn="ctr"/>
+            <a:r>
+              <a:rPr lang="en-US" sz="1200" dirty="0"/>
+              <a:t>Action causes transition</a:t>
+            </a:r>
+          </a:p>
+        </p:txBody>
+      </p:sp>
+      <p:sp>
+        <p:nvSpPr>
+          <p:cNvPr id="6" name="Speech Bubble: Rectangle 5">
+            <a:extLst>
+              <a:ext uri="{FF2B5EF4-FFF2-40B4-BE49-F238E27FC236}">
+                <a16:creationId xmlns:a16="http://schemas.microsoft.com/office/drawing/2014/main" id="{DE306C82-3C11-0925-0BB1-2921BC51CE19}"/>
+              </a:ext>
+            </a:extLst>
+          </p:cNvPr>
+          <p:cNvSpPr/>
+          <p:nvPr/>
+        </p:nvSpPr>
+        <p:spPr>
+          <a:xfrm>
+            <a:off x="7086600" y="1897062"/>
+            <a:ext cx="1763160" cy="769938"/>
+          </a:xfrm>
+          <a:prstGeom prst="wedgeRectCallout">
+            <a:avLst>
+              <a:gd name="adj1" fmla="val -79287"/>
+              <a:gd name="adj2" fmla="val 38038"/>
+            </a:avLst>
+          </a:prstGeom>
+          <a:solidFill>
+            <a:schemeClr val="accent6"/>
+          </a:solidFill>
+          <a:ln>
+            <a:noFill/>
+          </a:ln>
+        </p:spPr>
+        <p:style>
+          <a:lnRef idx="0">
+            <a:scrgbClr r="0" g="0" b="0"/>
+          </a:lnRef>
+          <a:fillRef idx="0">
+            <a:scrgbClr r="0" g="0" b="0"/>
+          </a:fillRef>
+          <a:effectRef idx="0">
+            <a:scrgbClr r="0" g="0" b="0"/>
+          </a:effectRef>
+          <a:fontRef idx="minor">
+            <a:schemeClr val="lt1"/>
+          </a:fontRef>
+        </p:style>
+        <p:txBody>
+          <a:bodyPr rtlCol="0" anchor="ctr"/>
+          <a:lstStyle/>
+          <a:p>
+            <a:pPr algn="ctr"/>
+            <a:r>
+              <a:rPr lang="en-US" sz="1200" dirty="0"/>
+              <a:t>Variables describing the system state are called “</a:t>
+            </a:r>
+            <a:r>
+              <a:rPr lang="en-US" sz="1200" dirty="0" err="1"/>
+              <a:t>fluents</a:t>
+            </a:r>
+            <a:r>
+              <a:rPr lang="en-US" sz="1200" dirty="0"/>
+              <a:t>”</a:t>
+            </a:r>
+          </a:p>
+        </p:txBody>
+      </p:sp>
+      <p:pic>
+        <p:nvPicPr>
+          <p:cNvPr id="7" name="Picture 6">
+            <a:extLst>
+              <a:ext uri="{FF2B5EF4-FFF2-40B4-BE49-F238E27FC236}">
+                <a16:creationId xmlns:a16="http://schemas.microsoft.com/office/drawing/2014/main" id="{F0A05423-8641-4938-9DCF-1B35787E5046}"/>
+              </a:ext>
+              <a:ext uri="{C183D7F6-B498-43B3-948B-1728B52AA6E4}">
+                <adec:decorative xmlns:adec="http://schemas.microsoft.com/office/drawing/2017/decorative" val="1"/>
+              </a:ext>
+            </a:extLst>
+          </p:cNvPr>
+          <p:cNvPicPr>
+            <a:picLocks noChangeAspect="1" noChangeArrowheads="1"/>
+          </p:cNvPicPr>
+          <p:nvPr/>
+        </p:nvPicPr>
+        <p:blipFill>
+          <a:blip r:embed="rId4" cstate="print"/>
+          <a:srcRect/>
+          <a:stretch>
+            <a:fillRect/>
+          </a:stretch>
+        </p:blipFill>
+        <p:spPr bwMode="auto">
+          <a:xfrm>
+            <a:off x="7107437" y="301185"/>
+            <a:ext cx="1742323" cy="800100"/>
+          </a:xfrm>
+          <a:prstGeom prst="rect">
+            <a:avLst/>
+          </a:prstGeom>
+          <a:noFill/>
+          <a:ln w="9525">
+            <a:noFill/>
+            <a:miter lim="800000"/>
+            <a:headEnd/>
+            <a:tailEnd/>
+          </a:ln>
+        </p:spPr>
+      </p:pic>
+    </p:spTree>
+    <p:extLst>
+      <p:ext uri="{BB962C8B-B14F-4D97-AF65-F5344CB8AC3E}">
+        <p14:creationId xmlns:p14="http://schemas.microsoft.com/office/powerpoint/2010/main" val="731491796"/>
+      </p:ext>
+    </p:extLst>
+  </p:cSld>
+  <p:clrMapOvr>
+    <a:masterClrMapping/>
+  </p:clrMapOvr>
+</p:sld>
+</file>
+
+<file path=ppt/slides/slide21.xml><?xml version="1.0" encoding="utf-8"?>
 <p:sld xmlns:a="http://schemas.openxmlformats.org/drawingml/2006/main" xmlns:r="http://schemas.openxmlformats.org/officeDocument/2006/relationships" xmlns:p="http://schemas.openxmlformats.org/presentationml/2006/main">
   <p:cSld>
     <p:spTree>
@@ -22630,7 +22722,7 @@
 </p:sld>
 </file>
 
-<file path=ppt/slides/slide21.xml><?xml version="1.0" encoding="utf-8"?>
+<file path=ppt/slides/slide22.xml><?xml version="1.0" encoding="utf-8"?>
 <p:sld xmlns:a="http://schemas.openxmlformats.org/drawingml/2006/main" xmlns:r="http://schemas.openxmlformats.org/officeDocument/2006/relationships" xmlns:p="http://schemas.openxmlformats.org/presentationml/2006/main">
   <p:cSld>
     <p:spTree>
@@ -23336,7 +23428,7 @@
 </p:sld>
 </file>
 
-<file path=ppt/slides/slide22.xml><?xml version="1.0" encoding="utf-8"?>
+<file path=ppt/slides/slide23.xml><?xml version="1.0" encoding="utf-8"?>
 <p:sld xmlns:a="http://schemas.openxmlformats.org/drawingml/2006/main" xmlns:r="http://schemas.openxmlformats.org/officeDocument/2006/relationships" xmlns:p="http://schemas.openxmlformats.org/presentationml/2006/main">
   <p:cSld>
     <p:spTree>
@@ -23605,7 +23697,7 @@
 </p:sld>
 </file>
 
-<file path=ppt/slides/slide23.xml><?xml version="1.0" encoding="utf-8"?>
+<file path=ppt/slides/slide24.xml><?xml version="1.0" encoding="utf-8"?>
 <p:sld xmlns:a="http://schemas.openxmlformats.org/drawingml/2006/main" xmlns:r="http://schemas.openxmlformats.org/officeDocument/2006/relationships" xmlns:p="http://schemas.openxmlformats.org/presentationml/2006/main">
   <p:cSld>
     <p:spTree>
@@ -24238,98 +24330,6 @@
       <p:bldP spid="3" grpId="0" build="p"/>
     </p:bldLst>
   </p:timing>
-</p:sld>
-</file>
-
-<file path=ppt/slides/slide24.xml><?xml version="1.0" encoding="utf-8"?>
-<p:sld xmlns:a="http://schemas.openxmlformats.org/drawingml/2006/main" xmlns:r="http://schemas.openxmlformats.org/officeDocument/2006/relationships" xmlns:p="http://schemas.openxmlformats.org/presentationml/2006/main">
-  <p:cSld>
-    <p:spTree>
-      <p:nvGrpSpPr>
-        <p:cNvPr id="1" name="">
-          <a:extLst>
-            <a:ext uri="{FF2B5EF4-FFF2-40B4-BE49-F238E27FC236}">
-              <a16:creationId xmlns:a16="http://schemas.microsoft.com/office/drawing/2014/main" id="{AA87AD58-0FFB-3FEA-2D02-19846ECFB2F3}"/>
-            </a:ext>
-          </a:extLst>
-        </p:cNvPr>
-        <p:cNvGrpSpPr/>
-        <p:nvPr/>
-      </p:nvGrpSpPr>
-      <p:grpSpPr>
-        <a:xfrm>
-          <a:off x="0" y="0"/>
-          <a:ext cx="0" cy="0"/>
-          <a:chOff x="0" y="0"/>
-          <a:chExt cx="0" cy="0"/>
-        </a:xfrm>
-      </p:grpSpPr>
-      <p:sp>
-        <p:nvSpPr>
-          <p:cNvPr id="4" name="Title 3">
-            <a:extLst>
-              <a:ext uri="{FF2B5EF4-FFF2-40B4-BE49-F238E27FC236}">
-                <a16:creationId xmlns:a16="http://schemas.microsoft.com/office/drawing/2014/main" id="{0266BF2C-073A-E61B-F314-D1327A8F4903}"/>
-              </a:ext>
-            </a:extLst>
-          </p:cNvPr>
-          <p:cNvSpPr>
-            <a:spLocks noGrp="1"/>
-          </p:cNvSpPr>
-          <p:nvPr>
-            <p:ph type="title"/>
-          </p:nvPr>
-        </p:nvSpPr>
-        <p:spPr/>
-        <p:txBody>
-          <a:bodyPr/>
-          <a:lstStyle/>
-          <a:p>
-            <a:r>
-              <a:rPr lang="en-US" dirty="0"/>
-              <a:t>Assignment 1</a:t>
-            </a:r>
-          </a:p>
-        </p:txBody>
-      </p:sp>
-      <p:sp>
-        <p:nvSpPr>
-          <p:cNvPr id="5" name="Text Placeholder 4">
-            <a:extLst>
-              <a:ext uri="{FF2B5EF4-FFF2-40B4-BE49-F238E27FC236}">
-                <a16:creationId xmlns:a16="http://schemas.microsoft.com/office/drawing/2014/main" id="{E8268822-6F82-4F45-B3D4-2541D6F59527}"/>
-              </a:ext>
-            </a:extLst>
-          </p:cNvPr>
-          <p:cNvSpPr>
-            <a:spLocks noGrp="1"/>
-          </p:cNvSpPr>
-          <p:nvPr>
-            <p:ph type="body" idx="1"/>
-          </p:nvPr>
-        </p:nvSpPr>
-        <p:spPr/>
-        <p:txBody>
-          <a:bodyPr/>
-          <a:lstStyle/>
-          <a:p>
-            <a:r>
-              <a:rPr lang="en-US" dirty="0"/>
-              <a:t>Reflex Agents</a:t>
-            </a:r>
-          </a:p>
-        </p:txBody>
-      </p:sp>
-    </p:spTree>
-    <p:extLst>
-      <p:ext uri="{BB962C8B-B14F-4D97-AF65-F5344CB8AC3E}">
-        <p14:creationId xmlns:p14="http://schemas.microsoft.com/office/powerpoint/2010/main" val="483190766"/>
-      </p:ext>
-    </p:extLst>
-  </p:cSld>
-  <p:clrMapOvr>
-    <a:masterClrMapping/>
-  </p:clrMapOvr>
 </p:sld>
 </file>
 
